--- a/Project1_Presentation_Group1.pptx
+++ b/Project1_Presentation_Group1.pptx
@@ -257,7 +257,7 @@
           <a:p>
             <a:fld id="{D3EB3054-B75A-4BD7-8B3E-8DC0F614FAF3}" type="datetimeFigureOut">
               <a:rPr lang="de-DE" smtClean="0"/>
-              <a:t>21.09.2023</a:t>
+              <a:t>24.09.23</a:t>
             </a:fld>
             <a:endParaRPr lang="de-DE"/>
           </a:p>
@@ -302,7 +302,7 @@
           <a:p>
             <a:fld id="{802006FE-6571-4354-8775-F8708372C227}" type="slidenum">
               <a:rPr lang="de-DE" smtClean="0"/>
-              <a:t>‹Nr.›</a:t>
+              <a:t>‹#›</a:t>
             </a:fld>
             <a:endParaRPr lang="de-DE"/>
           </a:p>
@@ -429,7 +429,7 @@
           <a:p>
             <a:fld id="{D3EB3054-B75A-4BD7-8B3E-8DC0F614FAF3}" type="datetimeFigureOut">
               <a:rPr lang="de-DE" smtClean="0"/>
-              <a:t>21.09.2023</a:t>
+              <a:t>24.09.23</a:t>
             </a:fld>
             <a:endParaRPr lang="de-DE"/>
           </a:p>
@@ -474,7 +474,7 @@
           <a:p>
             <a:fld id="{802006FE-6571-4354-8775-F8708372C227}" type="slidenum">
               <a:rPr lang="de-DE" smtClean="0"/>
-              <a:t>‹Nr.›</a:t>
+              <a:t>‹#›</a:t>
             </a:fld>
             <a:endParaRPr lang="de-DE"/>
           </a:p>
@@ -611,7 +611,7 @@
           <a:p>
             <a:fld id="{D3EB3054-B75A-4BD7-8B3E-8DC0F614FAF3}" type="datetimeFigureOut">
               <a:rPr lang="de-DE" smtClean="0"/>
-              <a:t>21.09.2023</a:t>
+              <a:t>24.09.23</a:t>
             </a:fld>
             <a:endParaRPr lang="de-DE"/>
           </a:p>
@@ -656,7 +656,7 @@
           <a:p>
             <a:fld id="{802006FE-6571-4354-8775-F8708372C227}" type="slidenum">
               <a:rPr lang="de-DE" smtClean="0"/>
-              <a:t>‹Nr.›</a:t>
+              <a:t>‹#›</a:t>
             </a:fld>
             <a:endParaRPr lang="de-DE"/>
           </a:p>
@@ -783,7 +783,7 @@
           <a:p>
             <a:fld id="{D3EB3054-B75A-4BD7-8B3E-8DC0F614FAF3}" type="datetimeFigureOut">
               <a:rPr lang="de-DE" smtClean="0"/>
-              <a:t>21.09.2023</a:t>
+              <a:t>24.09.23</a:t>
             </a:fld>
             <a:endParaRPr lang="de-DE"/>
           </a:p>
@@ -828,7 +828,7 @@
           <a:p>
             <a:fld id="{802006FE-6571-4354-8775-F8708372C227}" type="slidenum">
               <a:rPr lang="de-DE" smtClean="0"/>
-              <a:t>‹Nr.›</a:t>
+              <a:t>‹#›</a:t>
             </a:fld>
             <a:endParaRPr lang="de-DE"/>
           </a:p>
@@ -1032,7 +1032,7 @@
           <a:p>
             <a:fld id="{D3EB3054-B75A-4BD7-8B3E-8DC0F614FAF3}" type="datetimeFigureOut">
               <a:rPr lang="de-DE" smtClean="0"/>
-              <a:t>21.09.2023</a:t>
+              <a:t>24.09.23</a:t>
             </a:fld>
             <a:endParaRPr lang="de-DE"/>
           </a:p>
@@ -1077,7 +1077,7 @@
           <a:p>
             <a:fld id="{802006FE-6571-4354-8775-F8708372C227}" type="slidenum">
               <a:rPr lang="de-DE" smtClean="0"/>
-              <a:t>‹Nr.›</a:t>
+              <a:t>‹#›</a:t>
             </a:fld>
             <a:endParaRPr lang="de-DE"/>
           </a:p>
@@ -1265,7 +1265,7 @@
           <a:p>
             <a:fld id="{D3EB3054-B75A-4BD7-8B3E-8DC0F614FAF3}" type="datetimeFigureOut">
               <a:rPr lang="de-DE" smtClean="0"/>
-              <a:t>21.09.2023</a:t>
+              <a:t>24.09.23</a:t>
             </a:fld>
             <a:endParaRPr lang="de-DE"/>
           </a:p>
@@ -1310,7 +1310,7 @@
           <a:p>
             <a:fld id="{802006FE-6571-4354-8775-F8708372C227}" type="slidenum">
               <a:rPr lang="de-DE" smtClean="0"/>
-              <a:t>‹Nr.›</a:t>
+              <a:t>‹#›</a:t>
             </a:fld>
             <a:endParaRPr lang="de-DE"/>
           </a:p>
@@ -1633,7 +1633,7 @@
           <a:p>
             <a:fld id="{D3EB3054-B75A-4BD7-8B3E-8DC0F614FAF3}" type="datetimeFigureOut">
               <a:rPr lang="de-DE" smtClean="0"/>
-              <a:t>21.09.2023</a:t>
+              <a:t>24.09.23</a:t>
             </a:fld>
             <a:endParaRPr lang="de-DE"/>
           </a:p>
@@ -1678,7 +1678,7 @@
           <a:p>
             <a:fld id="{802006FE-6571-4354-8775-F8708372C227}" type="slidenum">
               <a:rPr lang="de-DE" smtClean="0"/>
-              <a:t>‹Nr.›</a:t>
+              <a:t>‹#›</a:t>
             </a:fld>
             <a:endParaRPr lang="de-DE"/>
           </a:p>
@@ -1754,7 +1754,7 @@
           <a:p>
             <a:fld id="{D3EB3054-B75A-4BD7-8B3E-8DC0F614FAF3}" type="datetimeFigureOut">
               <a:rPr lang="de-DE" smtClean="0"/>
-              <a:t>21.09.2023</a:t>
+              <a:t>24.09.23</a:t>
             </a:fld>
             <a:endParaRPr lang="de-DE"/>
           </a:p>
@@ -1799,7 +1799,7 @@
           <a:p>
             <a:fld id="{802006FE-6571-4354-8775-F8708372C227}" type="slidenum">
               <a:rPr lang="de-DE" smtClean="0"/>
-              <a:t>‹Nr.›</a:t>
+              <a:t>‹#›</a:t>
             </a:fld>
             <a:endParaRPr lang="de-DE"/>
           </a:p>
@@ -1853,7 +1853,7 @@
           <a:p>
             <a:fld id="{D3EB3054-B75A-4BD7-8B3E-8DC0F614FAF3}" type="datetimeFigureOut">
               <a:rPr lang="de-DE" smtClean="0"/>
-              <a:t>21.09.2023</a:t>
+              <a:t>24.09.23</a:t>
             </a:fld>
             <a:endParaRPr lang="de-DE"/>
           </a:p>
@@ -1898,7 +1898,7 @@
           <a:p>
             <a:fld id="{802006FE-6571-4354-8775-F8708372C227}" type="slidenum">
               <a:rPr lang="de-DE" smtClean="0"/>
-              <a:t>‹Nr.›</a:t>
+              <a:t>‹#›</a:t>
             </a:fld>
             <a:endParaRPr lang="de-DE"/>
           </a:p>
@@ -2132,7 +2132,7 @@
           <a:p>
             <a:fld id="{D3EB3054-B75A-4BD7-8B3E-8DC0F614FAF3}" type="datetimeFigureOut">
               <a:rPr lang="de-DE" smtClean="0"/>
-              <a:t>21.09.2023</a:t>
+              <a:t>24.09.23</a:t>
             </a:fld>
             <a:endParaRPr lang="de-DE"/>
           </a:p>
@@ -2177,7 +2177,7 @@
           <a:p>
             <a:fld id="{802006FE-6571-4354-8775-F8708372C227}" type="slidenum">
               <a:rPr lang="de-DE" smtClean="0"/>
-              <a:t>‹Nr.›</a:t>
+              <a:t>‹#›</a:t>
             </a:fld>
             <a:endParaRPr lang="de-DE"/>
           </a:p>
@@ -2388,7 +2388,7 @@
           <a:p>
             <a:fld id="{D3EB3054-B75A-4BD7-8B3E-8DC0F614FAF3}" type="datetimeFigureOut">
               <a:rPr lang="de-DE" smtClean="0"/>
-              <a:t>21.09.2023</a:t>
+              <a:t>24.09.23</a:t>
             </a:fld>
             <a:endParaRPr lang="de-DE"/>
           </a:p>
@@ -2433,7 +2433,7 @@
           <a:p>
             <a:fld id="{802006FE-6571-4354-8775-F8708372C227}" type="slidenum">
               <a:rPr lang="de-DE" smtClean="0"/>
-              <a:t>‹Nr.›</a:t>
+              <a:t>‹#›</a:t>
             </a:fld>
             <a:endParaRPr lang="de-DE"/>
           </a:p>
@@ -2603,7 +2603,7 @@
           <a:p>
             <a:fld id="{D3EB3054-B75A-4BD7-8B3E-8DC0F614FAF3}" type="datetimeFigureOut">
               <a:rPr lang="de-DE" smtClean="0"/>
-              <a:t>21.09.2023</a:t>
+              <a:t>24.09.23</a:t>
             </a:fld>
             <a:endParaRPr lang="de-DE"/>
           </a:p>
@@ -2684,7 +2684,7 @@
           <a:p>
             <a:fld id="{802006FE-6571-4354-8775-F8708372C227}" type="slidenum">
               <a:rPr lang="de-DE" smtClean="0"/>
-              <a:t>‹Nr.›</a:t>
+              <a:t>‹#›</a:t>
             </a:fld>
             <a:endParaRPr lang="de-DE"/>
           </a:p>
@@ -3597,98 +3597,42 @@
                 <a:ea typeface="+mn-lt"/>
                 <a:cs typeface="+mn-lt"/>
               </a:rPr>
-              <a:t>Comparison</a:t>
+              <a:t>Relationship</a:t>
             </a:r>
             <a:r>
               <a:rPr lang="de-DE" dirty="0">
                 <a:ea typeface="+mn-lt"/>
                 <a:cs typeface="+mn-lt"/>
               </a:rPr>
-              <a:t> </a:t>
+              <a:t> </a:t>
             </a:r>
             <a:r>
               <a:rPr lang="de-DE" dirty="0" err="1">
                 <a:ea typeface="+mn-lt"/>
                 <a:cs typeface="+mn-lt"/>
               </a:rPr>
-              <a:t>of</a:t>
+              <a:t>between</a:t>
             </a:r>
             <a:r>
               <a:rPr lang="de-DE" dirty="0">
                 <a:ea typeface="+mn-lt"/>
                 <a:cs typeface="+mn-lt"/>
               </a:rPr>
-              <a:t> GDP, </a:t>
+              <a:t> GDP and Life </a:t>
             </a:r>
             <a:r>
               <a:rPr lang="de-DE" dirty="0" err="1">
                 <a:ea typeface="+mn-lt"/>
                 <a:cs typeface="+mn-lt"/>
               </a:rPr>
-              <a:t>life</a:t>
+              <a:t>Expectancy</a:t>
             </a:r>
             <a:r>
               <a:rPr lang="de-DE" dirty="0">
                 <a:ea typeface="+mn-lt"/>
                 <a:cs typeface="+mn-lt"/>
               </a:rPr>
-              <a:t> </a:t>
-            </a:r>
-            <a:r>
-              <a:rPr lang="de-DE" dirty="0" err="1">
-                <a:ea typeface="+mn-lt"/>
-                <a:cs typeface="+mn-lt"/>
-              </a:rPr>
-              <a:t>expectancy</a:t>
-            </a:r>
-            <a:r>
-              <a:rPr lang="de-DE" dirty="0">
-                <a:ea typeface="+mn-lt"/>
-                <a:cs typeface="+mn-lt"/>
-              </a:rPr>
-              <a:t> (</a:t>
-            </a:r>
-            <a:r>
-              <a:rPr lang="de-DE" dirty="0" err="1">
-                <a:ea typeface="+mn-lt"/>
-                <a:cs typeface="+mn-lt"/>
-              </a:rPr>
-              <a:t>including</a:t>
-            </a:r>
-            <a:r>
-              <a:rPr lang="de-DE" dirty="0">
-                <a:ea typeface="+mn-lt"/>
-                <a:cs typeface="+mn-lt"/>
-              </a:rPr>
-              <a:t> </a:t>
-            </a:r>
-            <a:r>
-              <a:rPr lang="de-DE" dirty="0" err="1">
-                <a:ea typeface="+mn-lt"/>
-                <a:cs typeface="+mn-lt"/>
-              </a:rPr>
-              <a:t>population</a:t>
-            </a:r>
-            <a:r>
-              <a:rPr lang="de-DE" dirty="0">
-                <a:ea typeface="+mn-lt"/>
-                <a:cs typeface="+mn-lt"/>
-              </a:rPr>
-              <a:t>) &amp; adult </a:t>
-            </a:r>
-            <a:r>
-              <a:rPr lang="de-DE" dirty="0" err="1">
-                <a:ea typeface="+mn-lt"/>
-                <a:cs typeface="+mn-lt"/>
-              </a:rPr>
-              <a:t>mortality</a:t>
-            </a:r>
-            <a:r>
-              <a:rPr lang="de-DE" dirty="0">
-                <a:ea typeface="+mn-lt"/>
-                <a:cs typeface="+mn-lt"/>
-              </a:rPr>
-              <a:t>  </a:t>
+              <a:t> </a:t>
             </a:r>
             <a:r>
               <a:rPr lang="de-DE" dirty="0" err="1">
@@ -4686,17 +4630,27 @@
             <p:ph type="title"/>
           </p:nvPr>
         </p:nvSpPr>
-        <p:spPr/>
+        <p:spPr>
+          <a:xfrm>
+            <a:off x="838200" y="365125"/>
+            <a:ext cx="10515600" cy="786920"/>
+          </a:xfrm>
+        </p:spPr>
         <p:txBody>
           <a:bodyPr vert="horz" lIns="91440" tIns="45720" rIns="91440" bIns="45720" rtlCol="0" anchor="t">
-            <a:normAutofit/>
+            <a:noAutofit/>
           </a:bodyPr>
           <a:lstStyle/>
           <a:p>
-            <a:endParaRPr lang="de-DE" dirty="0">
-              <a:ea typeface="Calibri Light"/>
-              <a:cs typeface="Calibri Light"/>
-            </a:endParaRPr>
+            <a:pPr algn="ctr"/>
+            <a:r>
+              <a:rPr lang="en-GB" sz="2800" dirty="0">
+                <a:latin typeface="Calibri" panose="020F0502020204030204" pitchFamily="34" charset="0"/>
+                <a:ea typeface="Calibri Light"/>
+                <a:cs typeface="Calibri" panose="020F0502020204030204" pitchFamily="34" charset="0"/>
+              </a:rPr>
+              <a:t>Relationship between Life Expectancy &amp; GDP  per capita across the entire dataset.</a:t>
+            </a:r>
           </a:p>
         </p:txBody>
       </p:sp>
@@ -4757,12 +4711,141 @@
           </a:p>
         </p:txBody>
       </p:sp>
+      <p:sp>
+        <p:nvSpPr>
+          <p:cNvPr id="3" name="TextBox 2">
+            <a:extLst>
+              <a:ext uri="{FF2B5EF4-FFF2-40B4-BE49-F238E27FC236}">
+                <a16:creationId xmlns:a16="http://schemas.microsoft.com/office/drawing/2014/main" id="{908BC486-11B4-834C-16A5-1F35F6381DD4}"/>
+              </a:ext>
+            </a:extLst>
+          </p:cNvPr>
+          <p:cNvSpPr txBox="1"/>
+          <p:nvPr/>
+        </p:nvSpPr>
+        <p:spPr>
+          <a:xfrm>
+            <a:off x="1333018" y="1409174"/>
+            <a:ext cx="9525964" cy="1725665"/>
+          </a:xfrm>
+          <a:prstGeom prst="rect">
+            <a:avLst/>
+          </a:prstGeom>
+          <a:noFill/>
+        </p:spPr>
+        <p:txBody>
+          <a:bodyPr wrap="square" rtlCol="0">
+            <a:spAutoFit/>
+          </a:bodyPr>
+          <a:lstStyle/>
+          <a:p>
+            <a:pPr marL="171450" indent="-171450">
+              <a:lnSpc>
+                <a:spcPct val="150000"/>
+              </a:lnSpc>
+              <a:buFont typeface="Arial" panose="020B0604020202020204" pitchFamily="34" charset="0"/>
+              <a:buChar char="•"/>
+            </a:pPr>
+            <a:r>
+              <a:rPr lang="en-GB" sz="1200" dirty="0">
+                <a:solidFill>
+                  <a:srgbClr val="000000"/>
+                </a:solidFill>
+              </a:rPr>
+              <a:t>Life expectancy is mostly between 70-80 years.</a:t>
+            </a:r>
+          </a:p>
+          <a:p>
+            <a:pPr marL="171450" indent="-171450">
+              <a:lnSpc>
+                <a:spcPct val="150000"/>
+              </a:lnSpc>
+              <a:buFont typeface="Arial" panose="020B0604020202020204" pitchFamily="34" charset="0"/>
+              <a:buChar char="•"/>
+            </a:pPr>
+            <a:r>
+              <a:rPr lang="en-GB" sz="1200" dirty="0">
+                <a:solidFill>
+                  <a:srgbClr val="000000"/>
+                </a:solidFill>
+              </a:rPr>
+              <a:t>T</a:t>
+            </a:r>
+            <a:r>
+              <a:rPr lang="en-GB" sz="1200" b="0" i="0" u="none" strike="noStrike" dirty="0">
+                <a:solidFill>
+                  <a:srgbClr val="000000"/>
+                </a:solidFill>
+                <a:effectLst/>
+              </a:rPr>
+              <a:t>here is a weak positive correlation between life expectancy &amp; GDP </a:t>
+            </a:r>
+            <a:r>
+              <a:rPr lang="en-GB" sz="1200" dirty="0">
+                <a:solidFill>
+                  <a:srgbClr val="000000"/>
+                </a:solidFill>
+              </a:rPr>
+              <a:t>per capita </a:t>
+            </a:r>
+            <a:r>
+              <a:rPr lang="en-GB" sz="1200" b="0" i="0" u="none" strike="noStrike" dirty="0">
+                <a:solidFill>
+                  <a:srgbClr val="000000"/>
+                </a:solidFill>
+                <a:effectLst/>
+              </a:rPr>
+              <a:t>in the dataset. This means that although both life expectancy and GDP per capita tend to go up in response to one another, the relationship is not very strong.</a:t>
+            </a:r>
+          </a:p>
+          <a:p>
+            <a:pPr marL="171450" indent="-171450">
+              <a:lnSpc>
+                <a:spcPct val="150000"/>
+              </a:lnSpc>
+              <a:buFont typeface="Arial" panose="020B0604020202020204" pitchFamily="34" charset="0"/>
+              <a:buChar char="•"/>
+            </a:pPr>
+            <a:r>
+              <a:rPr lang="en-GB" sz="1200" dirty="0">
+                <a:solidFill>
+                  <a:srgbClr val="000000"/>
+                </a:solidFill>
+              </a:rPr>
+              <a:t>This suggests that as income per household rises in these countries, there is a rise, albeit slight, in the life expectancy of the country’s inhabitants.</a:t>
+            </a:r>
+          </a:p>
+          <a:p>
+            <a:pPr marL="171450" indent="-171450">
+              <a:lnSpc>
+                <a:spcPct val="150000"/>
+              </a:lnSpc>
+              <a:buFont typeface="Arial" panose="020B0604020202020204" pitchFamily="34" charset="0"/>
+              <a:buChar char="•"/>
+            </a:pPr>
+            <a:r>
+              <a:rPr lang="en-GB" sz="1200" b="0" i="0" u="none" strike="noStrike" dirty="0">
+                <a:solidFill>
+                  <a:srgbClr val="333333"/>
+                </a:solidFill>
+                <a:effectLst/>
+              </a:rPr>
+              <a:t>GDP per capita increases the life expectancy through increasing economic growth and development in a country and thus leads to the prolongation of longevity.</a:t>
+            </a:r>
+            <a:endParaRPr lang="en-GB" sz="1200" dirty="0">
+              <a:solidFill>
+                <a:srgbClr val="000000"/>
+              </a:solidFill>
+            </a:endParaRPr>
+          </a:p>
+        </p:txBody>
+      </p:sp>
       <p:pic>
         <p:nvPicPr>
-          <p:cNvPr id="6" name="Grafik 5" descr="Ein Bild, das Text, Screenshot, Rechteck, Schrift enthält.&#10;&#10;Beschreibung automatisch generiert.">
+          <p:cNvPr id="9" name="Picture 8" descr="A graph with blue dots&#10;&#10;Description automatically generated">
             <a:extLst>
               <a:ext uri="{FF2B5EF4-FFF2-40B4-BE49-F238E27FC236}">
-                <a16:creationId xmlns:a16="http://schemas.microsoft.com/office/drawing/2014/main" id="{F0DDACA0-4FF3-AA59-E85C-62C3D87BEEA9}"/>
+                <a16:creationId xmlns:a16="http://schemas.microsoft.com/office/drawing/2014/main" id="{98EEF025-CB93-7295-84B1-256954C67241}"/>
               </a:ext>
             </a:extLst>
           </p:cNvPr>
@@ -4772,15 +4855,21 @@
           <p:nvPr/>
         </p:nvPicPr>
         <p:blipFill>
-          <a:blip r:embed="rId2"/>
+          <a:blip r:embed="rId2">
+            <a:extLst>
+              <a:ext uri="{28A0092B-C50C-407E-A947-70E740481C1C}">
+                <a14:useLocalDpi xmlns:a14="http://schemas.microsoft.com/office/drawing/2010/main" val="0"/>
+              </a:ext>
+            </a:extLst>
+          </a:blip>
           <a:stretch>
             <a:fillRect/>
           </a:stretch>
         </p:blipFill>
         <p:spPr>
           <a:xfrm>
-            <a:off x="5946475" y="2744374"/>
-            <a:ext cx="4712897" cy="3382080"/>
+            <a:off x="1333018" y="3294315"/>
+            <a:ext cx="3979888" cy="3156797"/>
           </a:xfrm>
           <a:prstGeom prst="rect">
             <a:avLst/>
@@ -4789,10 +4878,10 @@
       </p:pic>
       <p:pic>
         <p:nvPicPr>
-          <p:cNvPr id="7" name="Grafik 6" descr="Ein Bild, das Text, Screenshot, Diagramm, Schrift enthält.&#10;&#10;Beschreibung automatisch generiert.">
+          <p:cNvPr id="11" name="Picture 10" descr="A red and blue squares&#10;&#10;Description automatically generated">
             <a:extLst>
               <a:ext uri="{FF2B5EF4-FFF2-40B4-BE49-F238E27FC236}">
-                <a16:creationId xmlns:a16="http://schemas.microsoft.com/office/drawing/2014/main" id="{8CB5A485-04A2-D865-603C-5FED6913F822}"/>
+                <a16:creationId xmlns:a16="http://schemas.microsoft.com/office/drawing/2014/main" id="{5EFE28FA-FF1A-487B-3445-701A8ADF2E22}"/>
               </a:ext>
             </a:extLst>
           </p:cNvPr>
@@ -4802,15 +4891,21 @@
           <p:nvPr/>
         </p:nvPicPr>
         <p:blipFill>
-          <a:blip r:embed="rId3"/>
+          <a:blip r:embed="rId3">
+            <a:extLst>
+              <a:ext uri="{28A0092B-C50C-407E-A947-70E740481C1C}">
+                <a14:useLocalDpi xmlns:a14="http://schemas.microsoft.com/office/drawing/2010/main" val="0"/>
+              </a:ext>
+            </a:extLst>
+          </a:blip>
           <a:stretch>
             <a:fillRect/>
           </a:stretch>
         </p:blipFill>
         <p:spPr>
           <a:xfrm>
-            <a:off x="698740" y="2749380"/>
-            <a:ext cx="4712897" cy="3501468"/>
+            <a:off x="6739224" y="3356556"/>
+            <a:ext cx="3439098" cy="2778077"/>
           </a:xfrm>
           <a:prstGeom prst="rect">
             <a:avLst/>
